--- a/Lab1/Проект политики информационной безопасности банка.pptx
+++ b/Lab1/Проект политики информационной безопасности банка.pptx
@@ -277,7 +277,7 @@
           <a:p>
             <a:fld id="{55D2BCE5-E442-194D-AFE1-EABBA8E1CC0D}" type="datetimeFigureOut">
               <a:rPr lang="en-UA" smtClean="0"/>
-              <a:t>02/10/2022</a:t>
+              <a:t>02/17/2022</a:t>
             </a:fld>
             <a:endParaRPr lang="en-UA"/>
           </a:p>
@@ -507,7 +507,7 @@
           <a:p>
             <a:fld id="{55D2BCE5-E442-194D-AFE1-EABBA8E1CC0D}" type="datetimeFigureOut">
               <a:rPr lang="en-UA" smtClean="0"/>
-              <a:t>02/10/2022</a:t>
+              <a:t>02/17/2022</a:t>
             </a:fld>
             <a:endParaRPr lang="en-UA"/>
           </a:p>
@@ -717,7 +717,7 @@
           <a:p>
             <a:fld id="{55D2BCE5-E442-194D-AFE1-EABBA8E1CC0D}" type="datetimeFigureOut">
               <a:rPr lang="en-UA" smtClean="0"/>
-              <a:t>02/10/2022</a:t>
+              <a:t>02/17/2022</a:t>
             </a:fld>
             <a:endParaRPr lang="en-UA"/>
           </a:p>
@@ -917,7 +917,7 @@
           <a:p>
             <a:fld id="{55D2BCE5-E442-194D-AFE1-EABBA8E1CC0D}" type="datetimeFigureOut">
               <a:rPr lang="en-UA" smtClean="0"/>
-              <a:t>02/10/2022</a:t>
+              <a:t>02/17/2022</a:t>
             </a:fld>
             <a:endParaRPr lang="en-UA"/>
           </a:p>
@@ -1193,7 +1193,7 @@
           <a:p>
             <a:fld id="{55D2BCE5-E442-194D-AFE1-EABBA8E1CC0D}" type="datetimeFigureOut">
               <a:rPr lang="en-UA" smtClean="0"/>
-              <a:t>02/10/2022</a:t>
+              <a:t>02/17/2022</a:t>
             </a:fld>
             <a:endParaRPr lang="en-UA"/>
           </a:p>
@@ -1461,7 +1461,7 @@
           <a:p>
             <a:fld id="{55D2BCE5-E442-194D-AFE1-EABBA8E1CC0D}" type="datetimeFigureOut">
               <a:rPr lang="en-UA" smtClean="0"/>
-              <a:t>02/10/2022</a:t>
+              <a:t>02/17/2022</a:t>
             </a:fld>
             <a:endParaRPr lang="en-UA"/>
           </a:p>
@@ -1876,7 +1876,7 @@
           <a:p>
             <a:fld id="{55D2BCE5-E442-194D-AFE1-EABBA8E1CC0D}" type="datetimeFigureOut">
               <a:rPr lang="en-UA" smtClean="0"/>
-              <a:t>02/10/2022</a:t>
+              <a:t>02/17/2022</a:t>
             </a:fld>
             <a:endParaRPr lang="en-UA"/>
           </a:p>
@@ -2018,7 +2018,7 @@
           <a:p>
             <a:fld id="{55D2BCE5-E442-194D-AFE1-EABBA8E1CC0D}" type="datetimeFigureOut">
               <a:rPr lang="en-UA" smtClean="0"/>
-              <a:t>02/10/2022</a:t>
+              <a:t>02/17/2022</a:t>
             </a:fld>
             <a:endParaRPr lang="en-UA"/>
           </a:p>
@@ -2131,7 +2131,7 @@
           <a:p>
             <a:fld id="{55D2BCE5-E442-194D-AFE1-EABBA8E1CC0D}" type="datetimeFigureOut">
               <a:rPr lang="en-UA" smtClean="0"/>
-              <a:t>02/10/2022</a:t>
+              <a:t>02/17/2022</a:t>
             </a:fld>
             <a:endParaRPr lang="en-UA"/>
           </a:p>
@@ -2444,7 +2444,7 @@
           <a:p>
             <a:fld id="{55D2BCE5-E442-194D-AFE1-EABBA8E1CC0D}" type="datetimeFigureOut">
               <a:rPr lang="en-UA" smtClean="0"/>
-              <a:t>02/10/2022</a:t>
+              <a:t>02/17/2022</a:t>
             </a:fld>
             <a:endParaRPr lang="en-UA"/>
           </a:p>
@@ -2733,7 +2733,7 @@
           <a:p>
             <a:fld id="{55D2BCE5-E442-194D-AFE1-EABBA8E1CC0D}" type="datetimeFigureOut">
               <a:rPr lang="en-UA" smtClean="0"/>
-              <a:t>02/10/2022</a:t>
+              <a:t>02/17/2022</a:t>
             </a:fld>
             <a:endParaRPr lang="en-UA"/>
           </a:p>
@@ -2976,7 +2976,7 @@
           <a:p>
             <a:fld id="{55D2BCE5-E442-194D-AFE1-EABBA8E1CC0D}" type="datetimeFigureOut">
               <a:rPr lang="en-UA" smtClean="0"/>
-              <a:t>02/10/2022</a:t>
+              <a:t>02/17/2022</a:t>
             </a:fld>
             <a:endParaRPr lang="en-UA"/>
           </a:p>
@@ -3538,18 +3538,11 @@
           <a:p>
             <a:pPr algn="l"/>
             <a:r>
-              <a:rPr lang="ru-RU" sz="2000" dirty="0" err="1" smtClean="0">
-                <a:latin typeface="SamsungOne 400" panose="020B0503030303020204" pitchFamily="34" charset="0"/>
-                <a:ea typeface="SamsungOne 400" panose="020B0503030303020204" pitchFamily="34" charset="0"/>
-              </a:rPr>
-              <a:t>Копыток</a:t>
-            </a:r>
-            <a:r>
               <a:rPr lang="ru-RU" sz="2000" dirty="0" smtClean="0">
                 <a:latin typeface="SamsungOne 400" panose="020B0503030303020204" pitchFamily="34" charset="0"/>
                 <a:ea typeface="SamsungOne 400" panose="020B0503030303020204" pitchFamily="34" charset="0"/>
               </a:rPr>
-              <a:t> Дарья Владимировна</a:t>
+              <a:t>Копыток Дарья Владимировна</a:t>
             </a:r>
             <a:endParaRPr lang="en-UA" sz="2000" dirty="0">
               <a:latin typeface="SamsungOne 400" panose="020B0503030303020204" pitchFamily="34" charset="0"/>
@@ -3646,7 +3639,7 @@
         </p:nvGraphicFramePr>
         <p:xfrm>
           <a:off x="642436" y="1265762"/>
-          <a:ext cx="10711364" cy="4964575"/>
+          <a:ext cx="10711364" cy="4976513"/>
         </p:xfrm>
         <a:graphic>
           <a:graphicData uri="http://schemas.openxmlformats.org/drawingml/2006/table">
@@ -5480,7 +5473,7 @@
           <p:nvPr>
             <p:extLst>
               <p:ext uri="{D42A27DB-BD31-4B8C-83A1-F6EECF244321}">
-                <p14:modId xmlns:p14="http://schemas.microsoft.com/office/powerpoint/2010/main" val="2416023502"/>
+                <p14:modId xmlns:p14="http://schemas.microsoft.com/office/powerpoint/2010/main" val="1841583863"/>
               </p:ext>
             </p:extLst>
           </p:nvPr>
@@ -5965,7 +5958,7 @@
                           <a:latin typeface="SamsungOne 400" panose="020B0503030303020204" pitchFamily="34" charset="0"/>
                           <a:ea typeface="SamsungOne 400" panose="020B0503030303020204" pitchFamily="34" charset="0"/>
                         </a:rPr>
-                        <a:t>0,5</a:t>
+                        <a:t>0,6</a:t>
                       </a:r>
                       <a:endParaRPr lang="ru-RU" sz="1200" dirty="0">
                         <a:effectLst/>
@@ -6251,14 +6244,14 @@
                         </a:spcAft>
                       </a:pPr>
                       <a:r>
-                        <a:rPr lang="ru-RU" sz="1600">
+                        <a:rPr lang="ru-RU" sz="1600" dirty="0" smtClean="0">
                           <a:effectLst/>
                           <a:latin typeface="SamsungOne 400" panose="020B0503030303020204" pitchFamily="34" charset="0"/>
                           <a:ea typeface="SamsungOne 400" panose="020B0503030303020204" pitchFamily="34" charset="0"/>
                         </a:rPr>
-                        <a:t>0,6</a:t>
+                        <a:t>0,2</a:t>
                       </a:r>
-                      <a:endParaRPr lang="ru-RU" sz="1200">
+                      <a:endParaRPr lang="ru-RU" sz="1200" dirty="0">
                         <a:effectLst/>
                         <a:latin typeface="SamsungOne 400" panose="020B0503030303020204" pitchFamily="34" charset="0"/>
                         <a:ea typeface="SamsungOne 400" panose="020B0503030303020204" pitchFamily="34" charset="0"/>
@@ -6563,7 +6556,7 @@
                           <a:latin typeface="SamsungOne 400" panose="020B0503030303020204" pitchFamily="34" charset="0"/>
                           <a:ea typeface="SamsungOne 400" panose="020B0503030303020204" pitchFamily="34" charset="0"/>
                         </a:rPr>
-                        <a:t>0,2</a:t>
+                        <a:t>0,1</a:t>
                       </a:r>
                       <a:endParaRPr lang="ru-RU" sz="1200" dirty="0">
                         <a:effectLst/>
@@ -6855,7 +6848,7 @@
                           <a:latin typeface="SamsungOne 400" panose="020B0503030303020204" pitchFamily="34" charset="0"/>
                           <a:ea typeface="SamsungOne 400" panose="020B0503030303020204" pitchFamily="34" charset="0"/>
                         </a:rPr>
-                        <a:t>0,6</a:t>
+                        <a:t>0,2</a:t>
                       </a:r>
                       <a:endParaRPr lang="ru-RU" sz="1200" dirty="0">
                         <a:effectLst/>
@@ -7163,7 +7156,7 @@
                           <a:latin typeface="SamsungOne 400" panose="020B0503030303020204" pitchFamily="34" charset="0"/>
                           <a:ea typeface="SamsungOne 400" panose="020B0503030303020204" pitchFamily="34" charset="0"/>
                         </a:rPr>
-                        <a:t>7</a:t>
+                        <a:t>6</a:t>
                       </a:r>
                       <a:endParaRPr lang="ru-RU" sz="1200" dirty="0">
                         <a:effectLst/>
@@ -9937,7 +9930,7 @@
           </a:bodyPr>
           <a:lstStyle/>
           <a:p>
-            <a:pPr marL="0" indent="0">
+            <a:pPr marL="0" indent="0" algn="just">
               <a:buNone/>
             </a:pPr>
             <a:r>
@@ -9982,7 +9975,7 @@
             </a:r>
           </a:p>
           <a:p>
-            <a:pPr>
+            <a:pPr algn="just">
               <a:buFont typeface="Symbol" panose="05050102010706020507" pitchFamily="18" charset="2"/>
               <a:buChar char=""/>
             </a:pPr>
@@ -10002,7 +9995,7 @@
             </a:r>
           </a:p>
           <a:p>
-            <a:pPr>
+            <a:pPr algn="just">
               <a:buFont typeface="Symbol" panose="05050102010706020507" pitchFamily="18" charset="2"/>
               <a:buChar char=""/>
             </a:pPr>
@@ -10022,7 +10015,7 @@
             </a:r>
           </a:p>
           <a:p>
-            <a:pPr>
+            <a:pPr algn="just">
               <a:buFont typeface="Symbol" panose="05050102010706020507" pitchFamily="18" charset="2"/>
               <a:buChar char=""/>
             </a:pPr>
@@ -10771,7 +10764,7 @@
           </a:bodyPr>
           <a:lstStyle/>
           <a:p>
-            <a:pPr marL="0" indent="0">
+            <a:pPr marL="0" indent="0" algn="just">
               <a:buNone/>
             </a:pPr>
             <a:r>
